--- a/PresentaciónResultados.pptx
+++ b/PresentaciónResultados.pptx
@@ -10,6 +10,7 @@
     <p:sldId id="258" r:id="rId4"/>
     <p:sldId id="259" r:id="rId5"/>
     <p:sldId id="260" r:id="rId6"/>
+    <p:sldId id="261" r:id="rId7"/>
   </p:sldIdLst>
   <p:sldSz cx="12192000" cy="6858000"/>
   <p:notesSz cx="6858000" cy="9144000"/>
@@ -108,6 +109,11 @@
       </a:defRPr>
     </a:lvl9pPr>
   </p:defaultTextStyle>
+  <p:extLst>
+    <p:ext uri="{EFAFB233-063F-42B5-8137-9DF3F51BA10A}">
+      <p15:sldGuideLst xmlns:p15="http://schemas.microsoft.com/office/powerpoint/2012/main"/>
+    </p:ext>
+  </p:extLst>
 </p:presentation>
 </file>
 
@@ -3184,7 +3190,7 @@
             <a:fld id="{3C2B07E4-CDF9-4C88-A2F3-04620E58224D}" type="datetimeFigureOut">
               <a:rPr lang="en-US" smtClean="0"/>
               <a:pPr/>
-              <a:t>9/8/24</a:t>
+              <a:t>9/14/24</a:t>
             </a:fld>
             <a:endParaRPr lang="en-US" dirty="0"/>
           </a:p>
@@ -3386,7 +3392,7 @@
             <a:fld id="{3C2B07E4-CDF9-4C88-A2F3-04620E58224D}" type="datetimeFigureOut">
               <a:rPr lang="en-US" smtClean="0"/>
               <a:pPr/>
-              <a:t>9/8/24</a:t>
+              <a:t>9/14/24</a:t>
             </a:fld>
             <a:endParaRPr lang="en-US" dirty="0"/>
           </a:p>
@@ -3598,7 +3604,7 @@
             <a:fld id="{3C2B07E4-CDF9-4C88-A2F3-04620E58224D}" type="datetimeFigureOut">
               <a:rPr lang="en-US" smtClean="0"/>
               <a:pPr/>
-              <a:t>9/8/24</a:t>
+              <a:t>9/14/24</a:t>
             </a:fld>
             <a:endParaRPr lang="en-US" dirty="0"/>
           </a:p>
@@ -3800,7 +3806,7 @@
             <a:fld id="{3C2B07E4-CDF9-4C88-A2F3-04620E58224D}" type="datetimeFigureOut">
               <a:rPr lang="en-US" smtClean="0"/>
               <a:pPr/>
-              <a:t>9/8/24</a:t>
+              <a:t>9/14/24</a:t>
             </a:fld>
             <a:endParaRPr lang="en-US" dirty="0"/>
           </a:p>
@@ -4078,7 +4084,7 @@
             <a:fld id="{3C2B07E4-CDF9-4C88-A2F3-04620E58224D}" type="datetimeFigureOut">
               <a:rPr lang="en-US" smtClean="0"/>
               <a:pPr/>
-              <a:t>9/8/24</a:t>
+              <a:t>9/14/24</a:t>
             </a:fld>
             <a:endParaRPr lang="en-US" dirty="0"/>
           </a:p>
@@ -4348,7 +4354,7 @@
             <a:fld id="{3C2B07E4-CDF9-4C88-A2F3-04620E58224D}" type="datetimeFigureOut">
               <a:rPr lang="en-US" smtClean="0"/>
               <a:pPr/>
-              <a:t>9/8/24</a:t>
+              <a:t>9/14/24</a:t>
             </a:fld>
             <a:endParaRPr lang="en-US" dirty="0"/>
           </a:p>
@@ -4765,7 +4771,7 @@
             <a:fld id="{3C2B07E4-CDF9-4C88-A2F3-04620E58224D}" type="datetimeFigureOut">
               <a:rPr lang="en-US" smtClean="0"/>
               <a:pPr/>
-              <a:t>9/8/24</a:t>
+              <a:t>9/14/24</a:t>
             </a:fld>
             <a:endParaRPr lang="en-US" dirty="0"/>
           </a:p>
@@ -4909,7 +4915,7 @@
             <a:fld id="{3C2B07E4-CDF9-4C88-A2F3-04620E58224D}" type="datetimeFigureOut">
               <a:rPr lang="en-US" smtClean="0"/>
               <a:pPr/>
-              <a:t>9/8/24</a:t>
+              <a:t>9/14/24</a:t>
             </a:fld>
             <a:endParaRPr lang="en-US" dirty="0"/>
           </a:p>
@@ -5024,7 +5030,7 @@
             <a:fld id="{3C2B07E4-CDF9-4C88-A2F3-04620E58224D}" type="datetimeFigureOut">
               <a:rPr lang="en-US" smtClean="0"/>
               <a:pPr/>
-              <a:t>9/8/24</a:t>
+              <a:t>9/14/24</a:t>
             </a:fld>
             <a:endParaRPr lang="en-US" dirty="0"/>
           </a:p>
@@ -5339,7 +5345,7 @@
             <a:fld id="{3C2B07E4-CDF9-4C88-A2F3-04620E58224D}" type="datetimeFigureOut">
               <a:rPr lang="en-US" smtClean="0"/>
               <a:pPr/>
-              <a:t>9/8/24</a:t>
+              <a:t>9/14/24</a:t>
             </a:fld>
             <a:endParaRPr lang="en-US" dirty="0"/>
           </a:p>
@@ -5630,7 +5636,7 @@
             <a:fld id="{3C2B07E4-CDF9-4C88-A2F3-04620E58224D}" type="datetimeFigureOut">
               <a:rPr lang="en-US" smtClean="0"/>
               <a:pPr/>
-              <a:t>9/8/24</a:t>
+              <a:t>9/14/24</a:t>
             </a:fld>
             <a:endParaRPr lang="en-US" dirty="0"/>
           </a:p>
@@ -5875,7 +5881,7 @@
             <a:fld id="{3C2B07E4-CDF9-4C88-A2F3-04620E58224D}" type="datetimeFigureOut">
               <a:rPr lang="en-US" smtClean="0"/>
               <a:pPr/>
-              <a:t>9/8/24</a:t>
+              <a:t>9/14/24</a:t>
             </a:fld>
             <a:endParaRPr lang="en-US" dirty="0"/>
           </a:p>
@@ -7533,6 +7539,335 @@
 </p:sld>
 </file>
 
+<file path=ppt/slides/slide6.xml><?xml version="1.0" encoding="utf-8"?>
+<p:sld xmlns:a="http://schemas.openxmlformats.org/drawingml/2006/main" xmlns:r="http://schemas.openxmlformats.org/officeDocument/2006/relationships" xmlns:p="http://schemas.openxmlformats.org/presentationml/2006/main">
+  <p:cSld>
+    <p:bg>
+      <p:bgPr>
+        <a:solidFill>
+          <a:schemeClr val="bg1"/>
+        </a:solidFill>
+        <a:effectLst/>
+      </p:bgPr>
+    </p:bg>
+    <p:spTree>
+      <p:nvGrpSpPr>
+        <p:cNvPr id="1" name=""/>
+        <p:cNvGrpSpPr/>
+        <p:nvPr/>
+      </p:nvGrpSpPr>
+      <p:grpSpPr>
+        <a:xfrm>
+          <a:off x="0" y="0"/>
+          <a:ext cx="0" cy="0"/>
+          <a:chOff x="0" y="0"/>
+          <a:chExt cx="0" cy="0"/>
+        </a:xfrm>
+      </p:grpSpPr>
+      <p:sp useBgFill="1">
+        <p:nvSpPr>
+          <p:cNvPr id="9" name="Rectangle 8">
+            <a:extLst>
+              <a:ext uri="{FF2B5EF4-FFF2-40B4-BE49-F238E27FC236}">
+                <a16:creationId xmlns:a16="http://schemas.microsoft.com/office/drawing/2014/main" id="{04812C46-200A-4DEB-A05E-3ED6C68C2387}"/>
+              </a:ext>
+              <a:ext uri="{C183D7F6-B498-43B3-948B-1728B52AA6E4}">
+                <adec:decorative xmlns:adec="http://schemas.microsoft.com/office/drawing/2017/decorative" val="1"/>
+              </a:ext>
+            </a:extLst>
+          </p:cNvPr>
+          <p:cNvSpPr>
+            <a:spLocks noGrp="1" noRot="1" noChangeAspect="1" noMove="1" noResize="1" noEditPoints="1" noAdjustHandles="1" noChangeArrowheads="1" noChangeShapeType="1" noTextEdit="1"/>
+          </p:cNvSpPr>
+          <p:nvPr>
+            <p:extLst>
+              <p:ext uri="{386F3935-93C4-4BCD-93E2-E3B085C9AB24}">
+                <p16:designElem xmlns:p16="http://schemas.microsoft.com/office/powerpoint/2015/main" val="1"/>
+              </p:ext>
+            </p:extLst>
+          </p:nvPr>
+        </p:nvSpPr>
+        <p:spPr>
+          <a:xfrm>
+            <a:off x="-1" y="0"/>
+            <a:ext cx="12188952" cy="6858000"/>
+          </a:xfrm>
+          <a:prstGeom prst="rect">
+            <a:avLst/>
+          </a:prstGeom>
+          <a:ln>
+            <a:noFill/>
+          </a:ln>
+        </p:spPr>
+        <p:style>
+          <a:lnRef idx="2">
+            <a:schemeClr val="accent1">
+              <a:shade val="50000"/>
+            </a:schemeClr>
+          </a:lnRef>
+          <a:fillRef idx="1">
+            <a:schemeClr val="accent1"/>
+          </a:fillRef>
+          <a:effectRef idx="0">
+            <a:schemeClr val="accent1"/>
+          </a:effectRef>
+          <a:fontRef idx="minor">
+            <a:schemeClr val="lt1"/>
+          </a:fontRef>
+        </p:style>
+        <p:txBody>
+          <a:bodyPr rtlCol="0" anchor="ctr"/>
+          <a:lstStyle/>
+          <a:p>
+            <a:pPr algn="ctr"/>
+            <a:endParaRPr lang="en-US"/>
+          </a:p>
+        </p:txBody>
+      </p:sp>
+      <p:pic>
+        <p:nvPicPr>
+          <p:cNvPr id="5" name="Picture 4" descr="Casas en una zona residencial">
+            <a:extLst>
+              <a:ext uri="{FF2B5EF4-FFF2-40B4-BE49-F238E27FC236}">
+                <a16:creationId xmlns:a16="http://schemas.microsoft.com/office/drawing/2014/main" id="{75D2F630-2C74-2334-1390-0F459289047B}"/>
+              </a:ext>
+            </a:extLst>
+          </p:cNvPr>
+          <p:cNvPicPr>
+            <a:picLocks noChangeAspect="1"/>
+          </p:cNvPicPr>
+          <p:nvPr/>
+        </p:nvPicPr>
+        <p:blipFill>
+          <a:blip r:embed="rId2"/>
+          <a:srcRect l="5884" r="-1" b="-1"/>
+          <a:stretch/>
+        </p:blipFill>
+        <p:spPr>
+          <a:xfrm>
+            <a:off x="1" y="10"/>
+            <a:ext cx="9669642" cy="6857990"/>
+          </a:xfrm>
+          <a:prstGeom prst="rect">
+            <a:avLst/>
+          </a:prstGeom>
+        </p:spPr>
+      </p:pic>
+      <p:sp>
+        <p:nvSpPr>
+          <p:cNvPr id="11" name="Rectangle 10">
+            <a:extLst>
+              <a:ext uri="{FF2B5EF4-FFF2-40B4-BE49-F238E27FC236}">
+                <a16:creationId xmlns:a16="http://schemas.microsoft.com/office/drawing/2014/main" id="{D1EA859B-E555-4109-94F3-6700E046E008}"/>
+              </a:ext>
+              <a:ext uri="{C183D7F6-B498-43B3-948B-1728B52AA6E4}">
+                <adec:decorative xmlns:adec="http://schemas.microsoft.com/office/drawing/2017/decorative" val="1"/>
+              </a:ext>
+            </a:extLst>
+          </p:cNvPr>
+          <p:cNvSpPr>
+            <a:spLocks noGrp="1" noRot="1" noChangeAspect="1" noMove="1" noResize="1" noEditPoints="1" noAdjustHandles="1" noChangeArrowheads="1" noChangeShapeType="1" noTextEdit="1"/>
+          </p:cNvSpPr>
+          <p:nvPr>
+            <p:extLst>
+              <p:ext uri="{386F3935-93C4-4BCD-93E2-E3B085C9AB24}">
+                <p16:designElem xmlns:p16="http://schemas.microsoft.com/office/powerpoint/2015/main" val="1"/>
+              </p:ext>
+            </p:extLst>
+          </p:nvPr>
+        </p:nvSpPr>
+        <p:spPr>
+          <a:xfrm flipH="1">
+            <a:off x="5125019" y="0"/>
+            <a:ext cx="7066978" cy="6858000"/>
+          </a:xfrm>
+          <a:prstGeom prst="rect">
+            <a:avLst/>
+          </a:prstGeom>
+          <a:gradFill>
+            <a:gsLst>
+              <a:gs pos="48000">
+                <a:schemeClr val="bg1"/>
+              </a:gs>
+              <a:gs pos="35000">
+                <a:schemeClr val="bg1">
+                  <a:alpha val="77000"/>
+                </a:schemeClr>
+              </a:gs>
+              <a:gs pos="19000">
+                <a:schemeClr val="bg1">
+                  <a:alpha val="38000"/>
+                </a:schemeClr>
+              </a:gs>
+              <a:gs pos="0">
+                <a:schemeClr val="bg1">
+                  <a:alpha val="0"/>
+                </a:schemeClr>
+              </a:gs>
+              <a:gs pos="100000">
+                <a:schemeClr val="bg1"/>
+              </a:gs>
+            </a:gsLst>
+            <a:lin ang="10800000" scaled="0"/>
+          </a:gradFill>
+          <a:ln>
+            <a:noFill/>
+          </a:ln>
+        </p:spPr>
+        <p:style>
+          <a:lnRef idx="2">
+            <a:schemeClr val="accent1">
+              <a:shade val="50000"/>
+            </a:schemeClr>
+          </a:lnRef>
+          <a:fillRef idx="1">
+            <a:schemeClr val="accent1"/>
+          </a:fillRef>
+          <a:effectRef idx="0">
+            <a:schemeClr val="accent1"/>
+          </a:effectRef>
+          <a:fontRef idx="minor">
+            <a:schemeClr val="lt1"/>
+          </a:fontRef>
+        </p:style>
+        <p:txBody>
+          <a:bodyPr rtlCol="0" anchor="ctr"/>
+          <a:lstStyle/>
+          <a:p>
+            <a:pPr algn="ctr"/>
+            <a:endParaRPr lang="en-US" dirty="0"/>
+          </a:p>
+        </p:txBody>
+      </p:sp>
+      <p:sp>
+        <p:nvSpPr>
+          <p:cNvPr id="2" name="Título 1">
+            <a:extLst>
+              <a:ext uri="{FF2B5EF4-FFF2-40B4-BE49-F238E27FC236}">
+                <a16:creationId xmlns:a16="http://schemas.microsoft.com/office/drawing/2014/main" id="{8A13E62A-62AB-7659-4CEF-376F8B841BE9}"/>
+              </a:ext>
+            </a:extLst>
+          </p:cNvPr>
+          <p:cNvSpPr>
+            <a:spLocks noGrp="1"/>
+          </p:cNvSpPr>
+          <p:nvPr>
+            <p:ph type="title"/>
+          </p:nvPr>
+        </p:nvSpPr>
+        <p:spPr>
+          <a:xfrm>
+            <a:off x="7531610" y="365125"/>
+            <a:ext cx="3822189" cy="1899912"/>
+          </a:xfrm>
+        </p:spPr>
+        <p:txBody>
+          <a:bodyPr>
+            <a:normAutofit/>
+          </a:bodyPr>
+          <a:lstStyle/>
+          <a:p>
+            <a:r>
+              <a:rPr lang="en-US" sz="4000" dirty="0" err="1"/>
+              <a:t>Vecindarios</a:t>
+            </a:r>
+            <a:endParaRPr lang="en-US" sz="4000" dirty="0"/>
+          </a:p>
+        </p:txBody>
+      </p:sp>
+      <p:sp>
+        <p:nvSpPr>
+          <p:cNvPr id="3" name="Marcador de contenido 2">
+            <a:extLst>
+              <a:ext uri="{FF2B5EF4-FFF2-40B4-BE49-F238E27FC236}">
+                <a16:creationId xmlns:a16="http://schemas.microsoft.com/office/drawing/2014/main" id="{41D51CA5-A7B6-2684-B11C-C766AAD1460D}"/>
+              </a:ext>
+            </a:extLst>
+          </p:cNvPr>
+          <p:cNvSpPr>
+            <a:spLocks noGrp="1"/>
+          </p:cNvSpPr>
+          <p:nvPr>
+            <p:ph idx="1"/>
+          </p:nvPr>
+        </p:nvSpPr>
+        <p:spPr>
+          <a:xfrm>
+            <a:off x="7531610" y="2434201"/>
+            <a:ext cx="3822189" cy="3742762"/>
+          </a:xfrm>
+        </p:spPr>
+        <p:txBody>
+          <a:bodyPr>
+            <a:normAutofit/>
+          </a:bodyPr>
+          <a:lstStyle/>
+          <a:p>
+            <a:r>
+              <a:rPr lang="es-CO" sz="2400" b="0" dirty="0">
+                <a:effectLst/>
+              </a:rPr>
+              <a:t>Recomendación. Invertir en los vecindarios </a:t>
+            </a:r>
+            <a:r>
+              <a:rPr lang="es-CO" sz="2400" b="1" dirty="0" err="1"/>
+              <a:t>Downtown</a:t>
+            </a:r>
+            <a:r>
+              <a:rPr lang="es-CO" sz="2400" b="1" dirty="0">
+                <a:effectLst/>
+              </a:rPr>
+              <a:t>, </a:t>
+            </a:r>
+            <a:r>
+              <a:rPr lang="es-CO" sz="2400" b="1" dirty="0" err="1">
+                <a:effectLst/>
+              </a:rPr>
+              <a:t>Near</a:t>
+            </a:r>
+            <a:r>
+              <a:rPr lang="es-CO" sz="2400" b="1" dirty="0">
+                <a:effectLst/>
+              </a:rPr>
+              <a:t> </a:t>
+            </a:r>
+            <a:r>
+              <a:rPr lang="es-CO" sz="2400" b="1" dirty="0" err="1">
+                <a:effectLst/>
+              </a:rPr>
+              <a:t>Southeast</a:t>
+            </a:r>
+            <a:r>
+              <a:rPr lang="es-CO" sz="2400" b="1" dirty="0">
+                <a:effectLst/>
+              </a:rPr>
+              <a:t>, y Georgetown </a:t>
+            </a:r>
+            <a:r>
+              <a:rPr lang="es-CO" sz="2400" b="0" dirty="0">
+                <a:effectLst/>
+              </a:rPr>
+              <a:t>que se destacan como las áreas con precios promedio más altos, indicando una mayor demanda o mayor calidad de propiedades en estas zonas.</a:t>
+            </a:r>
+          </a:p>
+          <a:p>
+            <a:endParaRPr lang="en-US" sz="2000" dirty="0"/>
+          </a:p>
+        </p:txBody>
+      </p:sp>
+    </p:spTree>
+    <p:extLst>
+      <p:ext uri="{BB962C8B-B14F-4D97-AF65-F5344CB8AC3E}">
+        <p14:creationId xmlns:p14="http://schemas.microsoft.com/office/powerpoint/2010/main" val="1469907525"/>
+      </p:ext>
+    </p:extLst>
+  </p:cSld>
+  <p:clrMapOvr>
+    <a:masterClrMapping/>
+  </p:clrMapOvr>
+</p:sld>
+</file>
+
 <file path=ppt/theme/theme1.xml><?xml version="1.0" encoding="utf-8"?>
 <a:theme xmlns:a="http://schemas.openxmlformats.org/drawingml/2006/main" name="Tema de Office">
   <a:themeElements>
